--- a/docs/songs/your love never fails.pptx
+++ b/docs/songs/your love never fails.pptx
@@ -9,7 +9,9 @@
     <p:sldId id="520" r:id="rId3"/>
     <p:sldId id="521" r:id="rId4"/>
     <p:sldId id="522" r:id="rId5"/>
-    <p:sldId id="523" r:id="rId6"/>
+    <p:sldId id="1487" r:id="rId6"/>
+    <p:sldId id="523" r:id="rId7"/>
+    <p:sldId id="1486" r:id="rId8"/>
   </p:sldIdLst>
   <p:sldSz cx="9144000" cy="6858000" type="screen4x3"/>
   <p:notesSz cx="6858000" cy="9144000"/>
@@ -309,7 +311,7 @@
             <a:fld id="{26EA1CF3-4A15-4CBF-9A5A-6A56C368BE71}" type="datetimeFigureOut">
               <a:rPr lang="en-GB" smtClean="0"/>
               <a:pPr/>
-              <a:t>07/03/2023</a:t>
+              <a:t>06/02/2026</a:t>
             </a:fld>
             <a:endParaRPr lang="en-GB"/>
           </a:p>
@@ -476,7 +478,7 @@
             <a:fld id="{26EA1CF3-4A15-4CBF-9A5A-6A56C368BE71}" type="datetimeFigureOut">
               <a:rPr lang="en-GB" smtClean="0"/>
               <a:pPr/>
-              <a:t>07/03/2023</a:t>
+              <a:t>06/02/2026</a:t>
             </a:fld>
             <a:endParaRPr lang="en-GB"/>
           </a:p>
@@ -653,7 +655,7 @@
             <a:fld id="{26EA1CF3-4A15-4CBF-9A5A-6A56C368BE71}" type="datetimeFigureOut">
               <a:rPr lang="en-GB" smtClean="0"/>
               <a:pPr/>
-              <a:t>07/03/2023</a:t>
+              <a:t>06/02/2026</a:t>
             </a:fld>
             <a:endParaRPr lang="en-GB"/>
           </a:p>
@@ -820,7 +822,7 @@
             <a:fld id="{26EA1CF3-4A15-4CBF-9A5A-6A56C368BE71}" type="datetimeFigureOut">
               <a:rPr lang="en-GB" smtClean="0"/>
               <a:pPr/>
-              <a:t>07/03/2023</a:t>
+              <a:t>06/02/2026</a:t>
             </a:fld>
             <a:endParaRPr lang="en-GB"/>
           </a:p>
@@ -1063,7 +1065,7 @@
             <a:fld id="{26EA1CF3-4A15-4CBF-9A5A-6A56C368BE71}" type="datetimeFigureOut">
               <a:rPr lang="en-GB" smtClean="0"/>
               <a:pPr/>
-              <a:t>07/03/2023</a:t>
+              <a:t>06/02/2026</a:t>
             </a:fld>
             <a:endParaRPr lang="en-GB"/>
           </a:p>
@@ -1348,7 +1350,7 @@
             <a:fld id="{26EA1CF3-4A15-4CBF-9A5A-6A56C368BE71}" type="datetimeFigureOut">
               <a:rPr lang="en-GB" smtClean="0"/>
               <a:pPr/>
-              <a:t>07/03/2023</a:t>
+              <a:t>06/02/2026</a:t>
             </a:fld>
             <a:endParaRPr lang="en-GB"/>
           </a:p>
@@ -1767,7 +1769,7 @@
             <a:fld id="{26EA1CF3-4A15-4CBF-9A5A-6A56C368BE71}" type="datetimeFigureOut">
               <a:rPr lang="en-GB" smtClean="0"/>
               <a:pPr/>
-              <a:t>07/03/2023</a:t>
+              <a:t>06/02/2026</a:t>
             </a:fld>
             <a:endParaRPr lang="en-GB"/>
           </a:p>
@@ -1882,7 +1884,7 @@
             <a:fld id="{26EA1CF3-4A15-4CBF-9A5A-6A56C368BE71}" type="datetimeFigureOut">
               <a:rPr lang="en-GB" smtClean="0"/>
               <a:pPr/>
-              <a:t>07/03/2023</a:t>
+              <a:t>06/02/2026</a:t>
             </a:fld>
             <a:endParaRPr lang="en-GB"/>
           </a:p>
@@ -1974,7 +1976,7 @@
             <a:fld id="{26EA1CF3-4A15-4CBF-9A5A-6A56C368BE71}" type="datetimeFigureOut">
               <a:rPr lang="en-GB" smtClean="0"/>
               <a:pPr/>
-              <a:t>07/03/2023</a:t>
+              <a:t>06/02/2026</a:t>
             </a:fld>
             <a:endParaRPr lang="en-GB"/>
           </a:p>
@@ -2248,7 +2250,7 @@
             <a:fld id="{26EA1CF3-4A15-4CBF-9A5A-6A56C368BE71}" type="datetimeFigureOut">
               <a:rPr lang="en-GB" smtClean="0"/>
               <a:pPr/>
-              <a:t>07/03/2023</a:t>
+              <a:t>06/02/2026</a:t>
             </a:fld>
             <a:endParaRPr lang="en-GB"/>
           </a:p>
@@ -2498,7 +2500,7 @@
             <a:fld id="{26EA1CF3-4A15-4CBF-9A5A-6A56C368BE71}" type="datetimeFigureOut">
               <a:rPr lang="en-GB" smtClean="0"/>
               <a:pPr/>
-              <a:t>07/03/2023</a:t>
+              <a:t>06/02/2026</a:t>
             </a:fld>
             <a:endParaRPr lang="en-GB"/>
           </a:p>
@@ -2711,7 +2713,7 @@
             <a:fld id="{26EA1CF3-4A15-4CBF-9A5A-6A56C368BE71}" type="datetimeFigureOut">
               <a:rPr lang="en-GB" smtClean="0"/>
               <a:pPr/>
-              <a:t>07/03/2023</a:t>
+              <a:t>06/02/2026</a:t>
             </a:fld>
             <a:endParaRPr lang="en-GB"/>
           </a:p>
@@ -3293,7 +3295,7 @@
         </p:nvSpPr>
         <p:spPr>
           <a:xfrm>
-            <a:off x="323528" y="188640"/>
+            <a:off x="203118" y="908720"/>
             <a:ext cx="8640960" cy="6480720"/>
           </a:xfrm>
         </p:spPr>
@@ -3304,7 +3306,7 @@
           <a:lstStyle/>
           <a:p>
             <a:r>
-              <a:rPr lang="en-GB" sz="4000" dirty="0">
+              <a:rPr lang="en-GB" sz="3600" dirty="0">
                 <a:solidFill>
                   <a:schemeClr val="bg1"/>
                 </a:solidFill>
@@ -3314,7 +3316,7 @@
           </a:p>
           <a:p>
             <a:r>
-              <a:rPr lang="en-GB" sz="4000" dirty="0">
+              <a:rPr lang="en-GB" sz="3600" dirty="0">
                 <a:solidFill>
                   <a:schemeClr val="bg1"/>
                 </a:solidFill>
@@ -3324,7 +3326,7 @@
           </a:p>
           <a:p>
             <a:r>
-              <a:rPr lang="en-GB" sz="4000" dirty="0">
+              <a:rPr lang="en-GB" sz="3600" dirty="0">
                 <a:solidFill>
                   <a:schemeClr val="bg1"/>
                 </a:solidFill>
@@ -3334,7 +3336,7 @@
           </a:p>
           <a:p>
             <a:r>
-              <a:rPr lang="en-GB" sz="4000" dirty="0">
+              <a:rPr lang="en-GB" sz="3600" dirty="0">
                 <a:solidFill>
                   <a:schemeClr val="bg1"/>
                 </a:solidFill>
@@ -3344,7 +3346,7 @@
           </a:p>
           <a:p>
             <a:r>
-              <a:rPr lang="en-GB" sz="4000" dirty="0">
+              <a:rPr lang="en-GB" sz="3600" dirty="0">
                 <a:solidFill>
                   <a:schemeClr val="bg1"/>
                 </a:solidFill>
@@ -3352,14 +3354,14 @@
               <a:t>You have new mercies for me </a:t>
             </a:r>
             <a:r>
-              <a:rPr lang="en-GB" sz="4000" dirty="0" err="1">
+              <a:rPr lang="en-GB" sz="3600" dirty="0" err="1">
                 <a:solidFill>
                   <a:schemeClr val="bg1"/>
                 </a:solidFill>
               </a:rPr>
               <a:t>ev'ryday</a:t>
             </a:r>
-            <a:endParaRPr lang="en-GB" sz="4000" dirty="0">
+            <a:endParaRPr lang="en-GB" sz="3600" dirty="0">
               <a:solidFill>
                 <a:schemeClr val="bg1"/>
               </a:solidFill>
@@ -3367,7 +3369,7 @@
           </a:p>
           <a:p>
             <a:r>
-              <a:rPr lang="en-GB" sz="4000" dirty="0">
+              <a:rPr lang="en-GB" sz="3600" dirty="0">
                 <a:solidFill>
                   <a:schemeClr val="bg1"/>
                 </a:solidFill>
@@ -3405,7 +3407,7 @@
                   <a:schemeClr val="bg1"/>
                 </a:solidFill>
               </a:rPr>
-              <a:t>1/4</a:t>
+              <a:t>1/6</a:t>
             </a:r>
           </a:p>
         </p:txBody>
@@ -3452,7 +3454,7 @@
         </p:nvSpPr>
         <p:spPr>
           <a:xfrm>
-            <a:off x="323528" y="188640"/>
+            <a:off x="251520" y="764704"/>
             <a:ext cx="8640960" cy="6480720"/>
           </a:xfrm>
         </p:spPr>
@@ -3463,7 +3465,7 @@
           <a:lstStyle/>
           <a:p>
             <a:r>
-              <a:rPr lang="en-GB" sz="4000" dirty="0">
+              <a:rPr lang="en-GB" sz="3600" dirty="0">
                 <a:solidFill>
                   <a:schemeClr val="bg1"/>
                 </a:solidFill>
@@ -3473,7 +3475,7 @@
           </a:p>
           <a:p>
             <a:r>
-              <a:rPr lang="en-GB" sz="4000" dirty="0">
+              <a:rPr lang="en-GB" sz="3600" dirty="0">
                 <a:solidFill>
                   <a:schemeClr val="bg1"/>
                 </a:solidFill>
@@ -3483,7 +3485,7 @@
           </a:p>
           <a:p>
             <a:r>
-              <a:rPr lang="en-GB" sz="4000" dirty="0">
+              <a:rPr lang="en-GB" sz="3600" dirty="0">
                 <a:solidFill>
                   <a:schemeClr val="bg1"/>
                 </a:solidFill>
@@ -3493,7 +3495,7 @@
           </a:p>
           <a:p>
             <a:r>
-              <a:rPr lang="en-GB" sz="4000" dirty="0">
+              <a:rPr lang="en-GB" sz="3600" dirty="0">
                 <a:solidFill>
                   <a:schemeClr val="bg1"/>
                 </a:solidFill>
@@ -3503,7 +3505,7 @@
           </a:p>
           <a:p>
             <a:r>
-              <a:rPr lang="en-GB" sz="4000" dirty="0">
+              <a:rPr lang="en-GB" sz="3600" dirty="0">
                 <a:solidFill>
                   <a:schemeClr val="bg1"/>
                 </a:solidFill>
@@ -3513,7 +3515,7 @@
           </a:p>
           <a:p>
             <a:r>
-              <a:rPr lang="en-GB" sz="4000" dirty="0">
+              <a:rPr lang="en-GB" sz="3600" dirty="0">
                 <a:solidFill>
                   <a:schemeClr val="bg1"/>
                 </a:solidFill>
@@ -3523,7 +3525,7 @@
           </a:p>
           <a:p>
             <a:r>
-              <a:rPr lang="en-GB" sz="4000" dirty="0">
+              <a:rPr lang="en-GB" sz="3600" dirty="0">
                 <a:solidFill>
                   <a:schemeClr val="bg1"/>
                 </a:solidFill>
@@ -3533,7 +3535,7 @@
           </a:p>
           <a:p>
             <a:r>
-              <a:rPr lang="en-GB" sz="4000" dirty="0">
+              <a:rPr lang="en-GB" sz="3600" dirty="0">
                 <a:solidFill>
                   <a:schemeClr val="bg1"/>
                 </a:solidFill>
@@ -3571,7 +3573,7 @@
                   <a:schemeClr val="bg1"/>
                 </a:solidFill>
               </a:rPr>
-              <a:t>2/4</a:t>
+              <a:t>2/6</a:t>
             </a:r>
           </a:p>
         </p:txBody>
@@ -3618,7 +3620,7 @@
         </p:nvSpPr>
         <p:spPr>
           <a:xfrm>
-            <a:off x="323528" y="188640"/>
+            <a:off x="251520" y="764704"/>
             <a:ext cx="8640960" cy="6480720"/>
           </a:xfrm>
         </p:spPr>
@@ -3629,7 +3631,7 @@
           <a:lstStyle/>
           <a:p>
             <a:r>
-              <a:rPr lang="en-GB" sz="4000" dirty="0">
+              <a:rPr lang="en-GB" sz="3600" dirty="0">
                 <a:solidFill>
                   <a:schemeClr val="bg1"/>
                 </a:solidFill>
@@ -3639,7 +3641,7 @@
           </a:p>
           <a:p>
             <a:r>
-              <a:rPr lang="en-GB" sz="4000" dirty="0">
+              <a:rPr lang="en-GB" sz="3600" dirty="0">
                 <a:solidFill>
                   <a:schemeClr val="bg1"/>
                 </a:solidFill>
@@ -3649,7 +3651,7 @@
           </a:p>
           <a:p>
             <a:r>
-              <a:rPr lang="en-GB" sz="4000" dirty="0">
+              <a:rPr lang="en-GB" sz="3600" dirty="0">
                 <a:solidFill>
                   <a:schemeClr val="bg1"/>
                 </a:solidFill>
@@ -3659,7 +3661,7 @@
           </a:p>
           <a:p>
             <a:r>
-              <a:rPr lang="en-GB" sz="4000" dirty="0">
+              <a:rPr lang="en-GB" sz="3600" dirty="0">
                 <a:solidFill>
                   <a:schemeClr val="bg1"/>
                 </a:solidFill>
@@ -3669,7 +3671,7 @@
           </a:p>
           <a:p>
             <a:r>
-              <a:rPr lang="en-GB" sz="4000" dirty="0">
+              <a:rPr lang="en-GB" sz="3600" dirty="0">
                 <a:solidFill>
                   <a:schemeClr val="bg1"/>
                 </a:solidFill>
@@ -3679,7 +3681,7 @@
           </a:p>
           <a:p>
             <a:r>
-              <a:rPr lang="en-GB" sz="4000" dirty="0">
+              <a:rPr lang="en-GB" sz="3600" dirty="0">
                 <a:solidFill>
                   <a:schemeClr val="bg1"/>
                 </a:solidFill>
@@ -3717,7 +3719,7 @@
                   <a:schemeClr val="bg1"/>
                 </a:solidFill>
               </a:rPr>
-              <a:t>3/4</a:t>
+              <a:t>3/6</a:t>
             </a:r>
           </a:p>
         </p:txBody>
@@ -3740,6 +3742,190 @@
   <p:cSld>
     <p:spTree>
       <p:nvGrpSpPr>
+        <p:cNvPr id="1" name="">
+          <a:extLst>
+            <a:ext uri="{FF2B5EF4-FFF2-40B4-BE49-F238E27FC236}">
+              <a16:creationId xmlns:a16="http://schemas.microsoft.com/office/drawing/2014/main" id="{4842C397-59FA-2CF4-D207-856B422C7525}"/>
+            </a:ext>
+          </a:extLst>
+        </p:cNvPr>
+        <p:cNvGrpSpPr/>
+        <p:nvPr/>
+      </p:nvGrpSpPr>
+      <p:grpSpPr>
+        <a:xfrm>
+          <a:off x="0" y="0"/>
+          <a:ext cx="0" cy="0"/>
+          <a:chOff x="0" y="0"/>
+          <a:chExt cx="0" cy="0"/>
+        </a:xfrm>
+      </p:grpSpPr>
+      <p:sp>
+        <p:nvSpPr>
+          <p:cNvPr id="3" name="Subtitle 2">
+            <a:extLst>
+              <a:ext uri="{FF2B5EF4-FFF2-40B4-BE49-F238E27FC236}">
+                <a16:creationId xmlns:a16="http://schemas.microsoft.com/office/drawing/2014/main" id="{B4E085CD-C849-CDD0-2082-5DB3E69B7F1E}"/>
+              </a:ext>
+            </a:extLst>
+          </p:cNvPr>
+          <p:cNvSpPr>
+            <a:spLocks noGrp="1"/>
+          </p:cNvSpPr>
+          <p:nvPr>
+            <p:ph type="subTitle" idx="1"/>
+          </p:nvPr>
+        </p:nvSpPr>
+        <p:spPr>
+          <a:xfrm>
+            <a:off x="251520" y="764704"/>
+            <a:ext cx="8640960" cy="6480720"/>
+          </a:xfrm>
+        </p:spPr>
+        <p:txBody>
+          <a:bodyPr>
+            <a:noAutofit/>
+          </a:bodyPr>
+          <a:lstStyle/>
+          <a:p>
+            <a:r>
+              <a:rPr lang="en-GB" sz="3600" dirty="0">
+                <a:solidFill>
+                  <a:schemeClr val="bg1"/>
+                </a:solidFill>
+              </a:rPr>
+              <a:t>(And) You stay the same through the ages</a:t>
+            </a:r>
+          </a:p>
+          <a:p>
+            <a:r>
+              <a:rPr lang="en-GB" sz="3600" dirty="0">
+                <a:solidFill>
+                  <a:schemeClr val="bg1"/>
+                </a:solidFill>
+              </a:rPr>
+              <a:t>Your love never changes</a:t>
+            </a:r>
+          </a:p>
+          <a:p>
+            <a:r>
+              <a:rPr lang="en-GB" sz="3600" dirty="0">
+                <a:solidFill>
+                  <a:schemeClr val="bg1"/>
+                </a:solidFill>
+              </a:rPr>
+              <a:t>There may be pain in the night</a:t>
+            </a:r>
+          </a:p>
+          <a:p>
+            <a:r>
+              <a:rPr lang="en-GB" sz="3600" dirty="0">
+                <a:solidFill>
+                  <a:schemeClr val="bg1"/>
+                </a:solidFill>
+              </a:rPr>
+              <a:t>But joy comes in the morning</a:t>
+            </a:r>
+          </a:p>
+          <a:p>
+            <a:r>
+              <a:rPr lang="en-GB" sz="3600" dirty="0">
+                <a:solidFill>
+                  <a:schemeClr val="bg1"/>
+                </a:solidFill>
+              </a:rPr>
+              <a:t>And when the oceans rage</a:t>
+            </a:r>
+          </a:p>
+          <a:p>
+            <a:r>
+              <a:rPr lang="en-GB" sz="3600" dirty="0">
+                <a:solidFill>
+                  <a:schemeClr val="bg1"/>
+                </a:solidFill>
+              </a:rPr>
+              <a:t>I don't have to be afraid</a:t>
+            </a:r>
+          </a:p>
+          <a:p>
+            <a:r>
+              <a:rPr lang="en-GB" sz="3600" dirty="0">
+                <a:solidFill>
+                  <a:schemeClr val="bg1"/>
+                </a:solidFill>
+              </a:rPr>
+              <a:t>Because I know that You love me</a:t>
+            </a:r>
+          </a:p>
+          <a:p>
+            <a:r>
+              <a:rPr lang="en-GB" sz="3600" dirty="0">
+                <a:solidFill>
+                  <a:schemeClr val="bg1"/>
+                </a:solidFill>
+              </a:rPr>
+              <a:t>(Your love never fails)</a:t>
+            </a:r>
+          </a:p>
+        </p:txBody>
+      </p:sp>
+      <p:sp>
+        <p:nvSpPr>
+          <p:cNvPr id="4" name="TextBox 3">
+            <a:extLst>
+              <a:ext uri="{FF2B5EF4-FFF2-40B4-BE49-F238E27FC236}">
+                <a16:creationId xmlns:a16="http://schemas.microsoft.com/office/drawing/2014/main" id="{3E22B8DF-F77A-D348-8D32-66228737F6CB}"/>
+              </a:ext>
+            </a:extLst>
+          </p:cNvPr>
+          <p:cNvSpPr txBox="1"/>
+          <p:nvPr/>
+        </p:nvSpPr>
+        <p:spPr>
+          <a:xfrm>
+            <a:off x="8529729" y="0"/>
+            <a:ext cx="628698" cy="461665"/>
+          </a:xfrm>
+          <a:prstGeom prst="rect">
+            <a:avLst/>
+          </a:prstGeom>
+          <a:noFill/>
+        </p:spPr>
+        <p:txBody>
+          <a:bodyPr wrap="none" rtlCol="0">
+            <a:spAutoFit/>
+          </a:bodyPr>
+          <a:lstStyle/>
+          <a:p>
+            <a:r>
+              <a:rPr lang="en-GB" sz="2400" b="1" dirty="0">
+                <a:solidFill>
+                  <a:schemeClr val="bg1"/>
+                </a:solidFill>
+              </a:rPr>
+              <a:t>4/6</a:t>
+            </a:r>
+          </a:p>
+        </p:txBody>
+      </p:sp>
+    </p:spTree>
+    <p:extLst>
+      <p:ext uri="{BB962C8B-B14F-4D97-AF65-F5344CB8AC3E}">
+        <p14:creationId xmlns:p14="http://schemas.microsoft.com/office/powerpoint/2010/main" val="1956414165"/>
+      </p:ext>
+    </p:extLst>
+  </p:cSld>
+  <p:clrMapOvr>
+    <a:masterClrMapping/>
+  </p:clrMapOvr>
+</p:sld>
+</file>
+
+<file path=ppt/slides/slide6.xml><?xml version="1.0" encoding="utf-8"?>
+<p:sld xmlns:a="http://schemas.openxmlformats.org/drawingml/2006/main" xmlns:r="http://schemas.openxmlformats.org/officeDocument/2006/relationships" xmlns:p="http://schemas.openxmlformats.org/presentationml/2006/main">
+  <p:cSld>
+    <p:spTree>
+      <p:nvGrpSpPr>
         <p:cNvPr id="1" name=""/>
         <p:cNvGrpSpPr/>
         <p:nvPr/>
@@ -3764,7 +3950,7 @@
         </p:nvSpPr>
         <p:spPr>
           <a:xfrm>
-            <a:off x="323528" y="188640"/>
+            <a:off x="107504" y="908720"/>
             <a:ext cx="8640960" cy="6480720"/>
           </a:xfrm>
         </p:spPr>
@@ -3775,7 +3961,7 @@
           <a:lstStyle/>
           <a:p>
             <a:r>
-              <a:rPr lang="en-GB" sz="4000" dirty="0">
+              <a:rPr lang="en-GB" sz="3600" dirty="0">
                 <a:solidFill>
                   <a:schemeClr val="bg1"/>
                 </a:solidFill>
@@ -3785,7 +3971,7 @@
           </a:p>
           <a:p>
             <a:r>
-              <a:rPr lang="en-GB" sz="4000" dirty="0">
+              <a:rPr lang="en-GB" sz="3600" dirty="0">
                 <a:solidFill>
                   <a:schemeClr val="bg1"/>
                 </a:solidFill>
@@ -3795,7 +3981,7 @@
           </a:p>
           <a:p>
             <a:r>
-              <a:rPr lang="en-GB" sz="4000" dirty="0">
+              <a:rPr lang="en-GB" sz="3600" dirty="0">
                 <a:solidFill>
                   <a:schemeClr val="bg1"/>
                 </a:solidFill>
@@ -3805,7 +3991,7 @@
           </a:p>
           <a:p>
             <a:r>
-              <a:rPr lang="en-GB" sz="4000" dirty="0">
+              <a:rPr lang="en-GB" sz="3600" dirty="0">
                 <a:solidFill>
                   <a:schemeClr val="bg1"/>
                 </a:solidFill>
@@ -3843,7 +4029,7 @@
                   <a:schemeClr val="bg1"/>
                 </a:solidFill>
               </a:rPr>
-              <a:t>4/4</a:t>
+              <a:t>5/6</a:t>
             </a:r>
           </a:p>
         </p:txBody>
@@ -3852,6 +4038,190 @@
     <p:extLst>
       <p:ext uri="{BB962C8B-B14F-4D97-AF65-F5344CB8AC3E}">
         <p14:creationId xmlns:p14="http://schemas.microsoft.com/office/powerpoint/2010/main" val="1241289900"/>
+      </p:ext>
+    </p:extLst>
+  </p:cSld>
+  <p:clrMapOvr>
+    <a:masterClrMapping/>
+  </p:clrMapOvr>
+</p:sld>
+</file>
+
+<file path=ppt/slides/slide7.xml><?xml version="1.0" encoding="utf-8"?>
+<p:sld xmlns:a="http://schemas.openxmlformats.org/drawingml/2006/main" xmlns:r="http://schemas.openxmlformats.org/officeDocument/2006/relationships" xmlns:p="http://schemas.openxmlformats.org/presentationml/2006/main">
+  <p:cSld>
+    <p:spTree>
+      <p:nvGrpSpPr>
+        <p:cNvPr id="1" name="">
+          <a:extLst>
+            <a:ext uri="{FF2B5EF4-FFF2-40B4-BE49-F238E27FC236}">
+              <a16:creationId xmlns:a16="http://schemas.microsoft.com/office/drawing/2014/main" id="{D150FF40-4FCA-8E2E-86B2-5F6E3AB1B5D9}"/>
+            </a:ext>
+          </a:extLst>
+        </p:cNvPr>
+        <p:cNvGrpSpPr/>
+        <p:nvPr/>
+      </p:nvGrpSpPr>
+      <p:grpSpPr>
+        <a:xfrm>
+          <a:off x="0" y="0"/>
+          <a:ext cx="0" cy="0"/>
+          <a:chOff x="0" y="0"/>
+          <a:chExt cx="0" cy="0"/>
+        </a:xfrm>
+      </p:grpSpPr>
+      <p:sp>
+        <p:nvSpPr>
+          <p:cNvPr id="3" name="Subtitle 2">
+            <a:extLst>
+              <a:ext uri="{FF2B5EF4-FFF2-40B4-BE49-F238E27FC236}">
+                <a16:creationId xmlns:a16="http://schemas.microsoft.com/office/drawing/2014/main" id="{809072CE-736A-9F42-AB2C-654767D7C54C}"/>
+              </a:ext>
+            </a:extLst>
+          </p:cNvPr>
+          <p:cNvSpPr>
+            <a:spLocks noGrp="1"/>
+          </p:cNvSpPr>
+          <p:nvPr>
+            <p:ph type="subTitle" idx="1"/>
+          </p:nvPr>
+        </p:nvSpPr>
+        <p:spPr>
+          <a:xfrm>
+            <a:off x="251520" y="764704"/>
+            <a:ext cx="8640960" cy="6480720"/>
+          </a:xfrm>
+        </p:spPr>
+        <p:txBody>
+          <a:bodyPr>
+            <a:noAutofit/>
+          </a:bodyPr>
+          <a:lstStyle/>
+          <a:p>
+            <a:r>
+              <a:rPr lang="en-GB" sz="3600" dirty="0">
+                <a:solidFill>
+                  <a:schemeClr val="bg1"/>
+                </a:solidFill>
+              </a:rPr>
+              <a:t>(And) You stay the same through the ages</a:t>
+            </a:r>
+          </a:p>
+          <a:p>
+            <a:r>
+              <a:rPr lang="en-GB" sz="3600" dirty="0">
+                <a:solidFill>
+                  <a:schemeClr val="bg1"/>
+                </a:solidFill>
+              </a:rPr>
+              <a:t>Your love never changes</a:t>
+            </a:r>
+          </a:p>
+          <a:p>
+            <a:r>
+              <a:rPr lang="en-GB" sz="3600" dirty="0">
+                <a:solidFill>
+                  <a:schemeClr val="bg1"/>
+                </a:solidFill>
+              </a:rPr>
+              <a:t>There may be pain in the night</a:t>
+            </a:r>
+          </a:p>
+          <a:p>
+            <a:r>
+              <a:rPr lang="en-GB" sz="3600" dirty="0">
+                <a:solidFill>
+                  <a:schemeClr val="bg1"/>
+                </a:solidFill>
+              </a:rPr>
+              <a:t>But joy comes in the morning</a:t>
+            </a:r>
+          </a:p>
+          <a:p>
+            <a:r>
+              <a:rPr lang="en-GB" sz="3600" dirty="0">
+                <a:solidFill>
+                  <a:schemeClr val="bg1"/>
+                </a:solidFill>
+              </a:rPr>
+              <a:t>And when the oceans rage</a:t>
+            </a:r>
+          </a:p>
+          <a:p>
+            <a:r>
+              <a:rPr lang="en-GB" sz="3600" dirty="0">
+                <a:solidFill>
+                  <a:schemeClr val="bg1"/>
+                </a:solidFill>
+              </a:rPr>
+              <a:t>I don't have to be afraid</a:t>
+            </a:r>
+          </a:p>
+          <a:p>
+            <a:r>
+              <a:rPr lang="en-GB" sz="3600" dirty="0">
+                <a:solidFill>
+                  <a:schemeClr val="bg1"/>
+                </a:solidFill>
+              </a:rPr>
+              <a:t>Because I know that You love me</a:t>
+            </a:r>
+          </a:p>
+          <a:p>
+            <a:r>
+              <a:rPr lang="en-GB" sz="3600" dirty="0">
+                <a:solidFill>
+                  <a:schemeClr val="bg1"/>
+                </a:solidFill>
+              </a:rPr>
+              <a:t>(Your love never fails)</a:t>
+            </a:r>
+          </a:p>
+        </p:txBody>
+      </p:sp>
+      <p:sp>
+        <p:nvSpPr>
+          <p:cNvPr id="4" name="TextBox 3">
+            <a:extLst>
+              <a:ext uri="{FF2B5EF4-FFF2-40B4-BE49-F238E27FC236}">
+                <a16:creationId xmlns:a16="http://schemas.microsoft.com/office/drawing/2014/main" id="{89960F5B-2CF6-A9DE-CECA-5E9E8F49C8A8}"/>
+              </a:ext>
+            </a:extLst>
+          </p:cNvPr>
+          <p:cNvSpPr txBox="1"/>
+          <p:nvPr/>
+        </p:nvSpPr>
+        <p:spPr>
+          <a:xfrm>
+            <a:off x="8529729" y="0"/>
+            <a:ext cx="628698" cy="461665"/>
+          </a:xfrm>
+          <a:prstGeom prst="rect">
+            <a:avLst/>
+          </a:prstGeom>
+          <a:noFill/>
+        </p:spPr>
+        <p:txBody>
+          <a:bodyPr wrap="none" rtlCol="0">
+            <a:spAutoFit/>
+          </a:bodyPr>
+          <a:lstStyle/>
+          <a:p>
+            <a:r>
+              <a:rPr lang="en-GB" sz="2400" b="1" dirty="0">
+                <a:solidFill>
+                  <a:schemeClr val="bg1"/>
+                </a:solidFill>
+              </a:rPr>
+              <a:t>6/6</a:t>
+            </a:r>
+          </a:p>
+        </p:txBody>
+      </p:sp>
+    </p:spTree>
+    <p:extLst>
+      <p:ext uri="{BB962C8B-B14F-4D97-AF65-F5344CB8AC3E}">
+        <p14:creationId xmlns:p14="http://schemas.microsoft.com/office/powerpoint/2010/main" val="1292161344"/>
       </p:ext>
     </p:extLst>
   </p:cSld>
